--- a/powerapp-call-aad-auth-api/images/figures.pptx
+++ b/powerapp-call-aad-auth-api/images/figures.pptx
@@ -4,8 +4,13 @@
   <p:sldMasterIdLst>
     <p:sldMasterId id="2147483648" r:id="rId1"/>
   </p:sldMasterIdLst>
+  <p:notesMasterIdLst>
+    <p:notesMasterId r:id="rId5"/>
+  </p:notesMasterIdLst>
   <p:sldIdLst>
     <p:sldId id="256" r:id="rId2"/>
+    <p:sldId id="257" r:id="rId3"/>
+    <p:sldId id="258" r:id="rId4"/>
   </p:sldIdLst>
   <p:sldSz cx="12192000" cy="6858000"/>
   <p:notesSz cx="6858000" cy="9144000"/>
@@ -110,6 +115,471 @@
     </p:ext>
   </p:extLst>
 </p:presentation>
+</file>
+
+<file path=ppt/notesMasters/notesMaster1.xml><?xml version="1.0" encoding="utf-8"?>
+<p:notesMaster xmlns:a="http://schemas.openxmlformats.org/drawingml/2006/main" xmlns:r="http://schemas.openxmlformats.org/officeDocument/2006/relationships" xmlns:p="http://schemas.openxmlformats.org/presentationml/2006/main">
+  <p:cSld>
+    <p:bg>
+      <p:bgRef idx="1001">
+        <a:schemeClr val="bg1"/>
+      </p:bgRef>
+    </p:bg>
+    <p:spTree>
+      <p:nvGrpSpPr>
+        <p:cNvPr id="1" name=""/>
+        <p:cNvGrpSpPr/>
+        <p:nvPr/>
+      </p:nvGrpSpPr>
+      <p:grpSpPr>
+        <a:xfrm>
+          <a:off x="0" y="0"/>
+          <a:ext cx="0" cy="0"/>
+          <a:chOff x="0" y="0"/>
+          <a:chExt cx="0" cy="0"/>
+        </a:xfrm>
+      </p:grpSpPr>
+      <p:sp>
+        <p:nvSpPr>
+          <p:cNvPr id="2" name="ヘッダー プレースホルダー 1"/>
+          <p:cNvSpPr>
+            <a:spLocks noGrp="1"/>
+          </p:cNvSpPr>
+          <p:nvPr>
+            <p:ph type="hdr" sz="quarter"/>
+          </p:nvPr>
+        </p:nvSpPr>
+        <p:spPr>
+          <a:xfrm>
+            <a:off x="0" y="0"/>
+            <a:ext cx="2971800" cy="458788"/>
+          </a:xfrm>
+          <a:prstGeom prst="rect">
+            <a:avLst/>
+          </a:prstGeom>
+        </p:spPr>
+        <p:txBody>
+          <a:bodyPr vert="horz" lIns="91440" tIns="45720" rIns="91440" bIns="45720" rtlCol="0"/>
+          <a:lstStyle>
+            <a:lvl1pPr algn="l">
+              <a:defRPr sz="1200"/>
+            </a:lvl1pPr>
+          </a:lstStyle>
+          <a:p>
+            <a:endParaRPr kumimoji="1" lang="ja-JP" altLang="en-US"/>
+          </a:p>
+        </p:txBody>
+      </p:sp>
+      <p:sp>
+        <p:nvSpPr>
+          <p:cNvPr id="3" name="日付プレースホルダー 2"/>
+          <p:cNvSpPr>
+            <a:spLocks noGrp="1"/>
+          </p:cNvSpPr>
+          <p:nvPr>
+            <p:ph type="dt" idx="1"/>
+          </p:nvPr>
+        </p:nvSpPr>
+        <p:spPr>
+          <a:xfrm>
+            <a:off x="3884613" y="0"/>
+            <a:ext cx="2971800" cy="458788"/>
+          </a:xfrm>
+          <a:prstGeom prst="rect">
+            <a:avLst/>
+          </a:prstGeom>
+        </p:spPr>
+        <p:txBody>
+          <a:bodyPr vert="horz" lIns="91440" tIns="45720" rIns="91440" bIns="45720" rtlCol="0"/>
+          <a:lstStyle>
+            <a:lvl1pPr algn="r">
+              <a:defRPr sz="1200"/>
+            </a:lvl1pPr>
+          </a:lstStyle>
+          <a:p>
+            <a:fld id="{538671A2-8A0D-469C-90E4-48FCE0637715}" type="datetimeFigureOut">
+              <a:rPr kumimoji="1" lang="ja-JP" altLang="en-US" smtClean="0"/>
+              <a:t>2020/10/15</a:t>
+            </a:fld>
+            <a:endParaRPr kumimoji="1" lang="ja-JP" altLang="en-US"/>
+          </a:p>
+        </p:txBody>
+      </p:sp>
+      <p:sp>
+        <p:nvSpPr>
+          <p:cNvPr id="4" name="スライド イメージ プレースホルダー 3"/>
+          <p:cNvSpPr>
+            <a:spLocks noGrp="1" noRot="1" noChangeAspect="1"/>
+          </p:cNvSpPr>
+          <p:nvPr>
+            <p:ph type="sldImg" idx="2"/>
+          </p:nvPr>
+        </p:nvSpPr>
+        <p:spPr>
+          <a:xfrm>
+            <a:off x="685800" y="1143000"/>
+            <a:ext cx="5486400" cy="3086100"/>
+          </a:xfrm>
+          <a:prstGeom prst="rect">
+            <a:avLst/>
+          </a:prstGeom>
+          <a:noFill/>
+          <a:ln w="12700">
+            <a:solidFill>
+              <a:prstClr val="black"/>
+            </a:solidFill>
+          </a:ln>
+        </p:spPr>
+        <p:txBody>
+          <a:bodyPr vert="horz" lIns="91440" tIns="45720" rIns="91440" bIns="45720" rtlCol="0" anchor="ctr"/>
+          <a:lstStyle/>
+          <a:p>
+            <a:endParaRPr lang="ja-JP" altLang="en-US"/>
+          </a:p>
+        </p:txBody>
+      </p:sp>
+      <p:sp>
+        <p:nvSpPr>
+          <p:cNvPr id="5" name="ノート プレースホルダー 4"/>
+          <p:cNvSpPr>
+            <a:spLocks noGrp="1"/>
+          </p:cNvSpPr>
+          <p:nvPr>
+            <p:ph type="body" sz="quarter" idx="3"/>
+          </p:nvPr>
+        </p:nvSpPr>
+        <p:spPr>
+          <a:xfrm>
+            <a:off x="685800" y="4400550"/>
+            <a:ext cx="5486400" cy="3600450"/>
+          </a:xfrm>
+          <a:prstGeom prst="rect">
+            <a:avLst/>
+          </a:prstGeom>
+        </p:spPr>
+        <p:txBody>
+          <a:bodyPr vert="horz" lIns="91440" tIns="45720" rIns="91440" bIns="45720" rtlCol="0"/>
+          <a:lstStyle/>
+          <a:p>
+            <a:pPr lvl="0"/>
+            <a:r>
+              <a:rPr kumimoji="1" lang="ja-JP" altLang="en-US"/>
+              <a:t>マスター テキストの書式設定</a:t>
+            </a:r>
+          </a:p>
+          <a:p>
+            <a:pPr lvl="1"/>
+            <a:r>
+              <a:rPr kumimoji="1" lang="ja-JP" altLang="en-US"/>
+              <a:t>第 </a:t>
+            </a:r>
+            <a:r>
+              <a:rPr kumimoji="1" lang="en-US" altLang="ja-JP"/>
+              <a:t>2 </a:t>
+            </a:r>
+            <a:r>
+              <a:rPr kumimoji="1" lang="ja-JP" altLang="en-US"/>
+              <a:t>レベル</a:t>
+            </a:r>
+          </a:p>
+          <a:p>
+            <a:pPr lvl="2"/>
+            <a:r>
+              <a:rPr kumimoji="1" lang="ja-JP" altLang="en-US"/>
+              <a:t>第 </a:t>
+            </a:r>
+            <a:r>
+              <a:rPr kumimoji="1" lang="en-US" altLang="ja-JP"/>
+              <a:t>3 </a:t>
+            </a:r>
+            <a:r>
+              <a:rPr kumimoji="1" lang="ja-JP" altLang="en-US"/>
+              <a:t>レベル</a:t>
+            </a:r>
+          </a:p>
+          <a:p>
+            <a:pPr lvl="3"/>
+            <a:r>
+              <a:rPr kumimoji="1" lang="ja-JP" altLang="en-US"/>
+              <a:t>第 </a:t>
+            </a:r>
+            <a:r>
+              <a:rPr kumimoji="1" lang="en-US" altLang="ja-JP"/>
+              <a:t>4 </a:t>
+            </a:r>
+            <a:r>
+              <a:rPr kumimoji="1" lang="ja-JP" altLang="en-US"/>
+              <a:t>レベル</a:t>
+            </a:r>
+          </a:p>
+          <a:p>
+            <a:pPr lvl="4"/>
+            <a:r>
+              <a:rPr kumimoji="1" lang="ja-JP" altLang="en-US"/>
+              <a:t>第 </a:t>
+            </a:r>
+            <a:r>
+              <a:rPr kumimoji="1" lang="en-US" altLang="ja-JP"/>
+              <a:t>5 </a:t>
+            </a:r>
+            <a:r>
+              <a:rPr kumimoji="1" lang="ja-JP" altLang="en-US"/>
+              <a:t>レベル</a:t>
+            </a:r>
+          </a:p>
+        </p:txBody>
+      </p:sp>
+      <p:sp>
+        <p:nvSpPr>
+          <p:cNvPr id="6" name="フッター プレースホルダー 5"/>
+          <p:cNvSpPr>
+            <a:spLocks noGrp="1"/>
+          </p:cNvSpPr>
+          <p:nvPr>
+            <p:ph type="ftr" sz="quarter" idx="4"/>
+          </p:nvPr>
+        </p:nvSpPr>
+        <p:spPr>
+          <a:xfrm>
+            <a:off x="0" y="8685213"/>
+            <a:ext cx="2971800" cy="458787"/>
+          </a:xfrm>
+          <a:prstGeom prst="rect">
+            <a:avLst/>
+          </a:prstGeom>
+        </p:spPr>
+        <p:txBody>
+          <a:bodyPr vert="horz" lIns="91440" tIns="45720" rIns="91440" bIns="45720" rtlCol="0" anchor="b"/>
+          <a:lstStyle>
+            <a:lvl1pPr algn="l">
+              <a:defRPr sz="1200"/>
+            </a:lvl1pPr>
+          </a:lstStyle>
+          <a:p>
+            <a:endParaRPr kumimoji="1" lang="ja-JP" altLang="en-US"/>
+          </a:p>
+        </p:txBody>
+      </p:sp>
+      <p:sp>
+        <p:nvSpPr>
+          <p:cNvPr id="7" name="スライド番号プレースホルダー 6"/>
+          <p:cNvSpPr>
+            <a:spLocks noGrp="1"/>
+          </p:cNvSpPr>
+          <p:nvPr>
+            <p:ph type="sldNum" sz="quarter" idx="5"/>
+          </p:nvPr>
+        </p:nvSpPr>
+        <p:spPr>
+          <a:xfrm>
+            <a:off x="3884613" y="8685213"/>
+            <a:ext cx="2971800" cy="458787"/>
+          </a:xfrm>
+          <a:prstGeom prst="rect">
+            <a:avLst/>
+          </a:prstGeom>
+        </p:spPr>
+        <p:txBody>
+          <a:bodyPr vert="horz" lIns="91440" tIns="45720" rIns="91440" bIns="45720" rtlCol="0" anchor="b"/>
+          <a:lstStyle>
+            <a:lvl1pPr algn="r">
+              <a:defRPr sz="1200"/>
+            </a:lvl1pPr>
+          </a:lstStyle>
+          <a:p>
+            <a:fld id="{09A33417-F701-412C-8A3E-CEE065E261C3}" type="slidenum">
+              <a:rPr kumimoji="1" lang="ja-JP" altLang="en-US" smtClean="0"/>
+              <a:t>‹#›</a:t>
+            </a:fld>
+            <a:endParaRPr kumimoji="1" lang="ja-JP" altLang="en-US"/>
+          </a:p>
+        </p:txBody>
+      </p:sp>
+    </p:spTree>
+    <p:extLst>
+      <p:ext uri="{BB962C8B-B14F-4D97-AF65-F5344CB8AC3E}">
+        <p14:creationId xmlns:p14="http://schemas.microsoft.com/office/powerpoint/2010/main" val="3949470230"/>
+      </p:ext>
+    </p:extLst>
+  </p:cSld>
+  <p:clrMap bg1="lt1" tx1="dk1" bg2="lt2" tx2="dk2" accent1="accent1" accent2="accent2" accent3="accent3" accent4="accent4" accent5="accent5" accent6="accent6" hlink="hlink" folHlink="folHlink"/>
+  <p:notesStyle>
+    <a:lvl1pPr marL="0" algn="l" defTabSz="914400" rtl="0" eaLnBrk="1" latinLnBrk="0" hangingPunct="1">
+      <a:defRPr kumimoji="1" sz="1200" kern="1200">
+        <a:solidFill>
+          <a:schemeClr val="tx1"/>
+        </a:solidFill>
+        <a:latin typeface="+mn-lt"/>
+        <a:ea typeface="+mn-ea"/>
+        <a:cs typeface="+mn-cs"/>
+      </a:defRPr>
+    </a:lvl1pPr>
+    <a:lvl2pPr marL="457200" algn="l" defTabSz="914400" rtl="0" eaLnBrk="1" latinLnBrk="0" hangingPunct="1">
+      <a:defRPr kumimoji="1" sz="1200" kern="1200">
+        <a:solidFill>
+          <a:schemeClr val="tx1"/>
+        </a:solidFill>
+        <a:latin typeface="+mn-lt"/>
+        <a:ea typeface="+mn-ea"/>
+        <a:cs typeface="+mn-cs"/>
+      </a:defRPr>
+    </a:lvl2pPr>
+    <a:lvl3pPr marL="914400" algn="l" defTabSz="914400" rtl="0" eaLnBrk="1" latinLnBrk="0" hangingPunct="1">
+      <a:defRPr kumimoji="1" sz="1200" kern="1200">
+        <a:solidFill>
+          <a:schemeClr val="tx1"/>
+        </a:solidFill>
+        <a:latin typeface="+mn-lt"/>
+        <a:ea typeface="+mn-ea"/>
+        <a:cs typeface="+mn-cs"/>
+      </a:defRPr>
+    </a:lvl3pPr>
+    <a:lvl4pPr marL="1371600" algn="l" defTabSz="914400" rtl="0" eaLnBrk="1" latinLnBrk="0" hangingPunct="1">
+      <a:defRPr kumimoji="1" sz="1200" kern="1200">
+        <a:solidFill>
+          <a:schemeClr val="tx1"/>
+        </a:solidFill>
+        <a:latin typeface="+mn-lt"/>
+        <a:ea typeface="+mn-ea"/>
+        <a:cs typeface="+mn-cs"/>
+      </a:defRPr>
+    </a:lvl4pPr>
+    <a:lvl5pPr marL="1828800" algn="l" defTabSz="914400" rtl="0" eaLnBrk="1" latinLnBrk="0" hangingPunct="1">
+      <a:defRPr kumimoji="1" sz="1200" kern="1200">
+        <a:solidFill>
+          <a:schemeClr val="tx1"/>
+        </a:solidFill>
+        <a:latin typeface="+mn-lt"/>
+        <a:ea typeface="+mn-ea"/>
+        <a:cs typeface="+mn-cs"/>
+      </a:defRPr>
+    </a:lvl5pPr>
+    <a:lvl6pPr marL="2286000" algn="l" defTabSz="914400" rtl="0" eaLnBrk="1" latinLnBrk="0" hangingPunct="1">
+      <a:defRPr kumimoji="1" sz="1200" kern="1200">
+        <a:solidFill>
+          <a:schemeClr val="tx1"/>
+        </a:solidFill>
+        <a:latin typeface="+mn-lt"/>
+        <a:ea typeface="+mn-ea"/>
+        <a:cs typeface="+mn-cs"/>
+      </a:defRPr>
+    </a:lvl6pPr>
+    <a:lvl7pPr marL="2743200" algn="l" defTabSz="914400" rtl="0" eaLnBrk="1" latinLnBrk="0" hangingPunct="1">
+      <a:defRPr kumimoji="1" sz="1200" kern="1200">
+        <a:solidFill>
+          <a:schemeClr val="tx1"/>
+        </a:solidFill>
+        <a:latin typeface="+mn-lt"/>
+        <a:ea typeface="+mn-ea"/>
+        <a:cs typeface="+mn-cs"/>
+      </a:defRPr>
+    </a:lvl7pPr>
+    <a:lvl8pPr marL="3200400" algn="l" defTabSz="914400" rtl="0" eaLnBrk="1" latinLnBrk="0" hangingPunct="1">
+      <a:defRPr kumimoji="1" sz="1200" kern="1200">
+        <a:solidFill>
+          <a:schemeClr val="tx1"/>
+        </a:solidFill>
+        <a:latin typeface="+mn-lt"/>
+        <a:ea typeface="+mn-ea"/>
+        <a:cs typeface="+mn-cs"/>
+      </a:defRPr>
+    </a:lvl8pPr>
+    <a:lvl9pPr marL="3657600" algn="l" defTabSz="914400" rtl="0" eaLnBrk="1" latinLnBrk="0" hangingPunct="1">
+      <a:defRPr kumimoji="1" sz="1200" kern="1200">
+        <a:solidFill>
+          <a:schemeClr val="tx1"/>
+        </a:solidFill>
+        <a:latin typeface="+mn-lt"/>
+        <a:ea typeface="+mn-ea"/>
+        <a:cs typeface="+mn-cs"/>
+      </a:defRPr>
+    </a:lvl9pPr>
+  </p:notesStyle>
+</p:notesMaster>
+</file>
+
+<file path=ppt/notesSlides/notesSlide1.xml><?xml version="1.0" encoding="utf-8"?>
+<p:notes xmlns:a="http://schemas.openxmlformats.org/drawingml/2006/main" xmlns:r="http://schemas.openxmlformats.org/officeDocument/2006/relationships" xmlns:p="http://schemas.openxmlformats.org/presentationml/2006/main">
+  <p:cSld>
+    <p:spTree>
+      <p:nvGrpSpPr>
+        <p:cNvPr id="1" name=""/>
+        <p:cNvGrpSpPr/>
+        <p:nvPr/>
+      </p:nvGrpSpPr>
+      <p:grpSpPr>
+        <a:xfrm>
+          <a:off x="0" y="0"/>
+          <a:ext cx="0" cy="0"/>
+          <a:chOff x="0" y="0"/>
+          <a:chExt cx="0" cy="0"/>
+        </a:xfrm>
+      </p:grpSpPr>
+      <p:sp>
+        <p:nvSpPr>
+          <p:cNvPr id="2" name="スライド イメージ プレースホルダー 1"/>
+          <p:cNvSpPr>
+            <a:spLocks noGrp="1" noRot="1" noChangeAspect="1"/>
+          </p:cNvSpPr>
+          <p:nvPr>
+            <p:ph type="sldImg"/>
+          </p:nvPr>
+        </p:nvSpPr>
+        <p:spPr/>
+      </p:sp>
+      <p:sp>
+        <p:nvSpPr>
+          <p:cNvPr id="3" name="ノート プレースホルダー 2"/>
+          <p:cNvSpPr>
+            <a:spLocks noGrp="1"/>
+          </p:cNvSpPr>
+          <p:nvPr>
+            <p:ph type="body" idx="1"/>
+          </p:nvPr>
+        </p:nvSpPr>
+        <p:spPr/>
+        <p:txBody>
+          <a:bodyPr/>
+          <a:lstStyle/>
+          <a:p>
+            <a:endParaRPr kumimoji="1" lang="ja-JP" altLang="en-US" dirty="0"/>
+          </a:p>
+        </p:txBody>
+      </p:sp>
+      <p:sp>
+        <p:nvSpPr>
+          <p:cNvPr id="4" name="スライド番号プレースホルダー 3"/>
+          <p:cNvSpPr>
+            <a:spLocks noGrp="1"/>
+          </p:cNvSpPr>
+          <p:nvPr>
+            <p:ph type="sldNum" sz="quarter" idx="5"/>
+          </p:nvPr>
+        </p:nvSpPr>
+        <p:spPr/>
+        <p:txBody>
+          <a:bodyPr/>
+          <a:lstStyle/>
+          <a:p>
+            <a:fld id="{09A33417-F701-412C-8A3E-CEE065E261C3}" type="slidenum">
+              <a:rPr kumimoji="1" lang="ja-JP" altLang="en-US" smtClean="0"/>
+              <a:t>3</a:t>
+            </a:fld>
+            <a:endParaRPr kumimoji="1" lang="ja-JP" altLang="en-US"/>
+          </a:p>
+        </p:txBody>
+      </p:sp>
+    </p:spTree>
+    <p:extLst>
+      <p:ext uri="{BB962C8B-B14F-4D97-AF65-F5344CB8AC3E}">
+        <p14:creationId xmlns:p14="http://schemas.microsoft.com/office/powerpoint/2010/main" val="544398544"/>
+      </p:ext>
+    </p:extLst>
+  </p:cSld>
+  <p:clrMapOvr>
+    <a:masterClrMapping/>
+  </p:clrMapOvr>
+</p:notes>
 </file>
 
 <file path=ppt/slideLayouts/slideLayout1.xml><?xml version="1.0" encoding="utf-8"?>
@@ -3629,10 +4099,10 @@
           <p:nvPr/>
         </p:nvPicPr>
         <p:blipFill>
-          <a:blip r:embed="rId2">
+          <a:blip r:embed="rId2" cstate="screen">
             <a:extLst>
               <a:ext uri="{28A0092B-C50C-407E-A947-70E740481C1C}">
-                <a14:useLocalDpi xmlns:a14="http://schemas.microsoft.com/office/drawing/2010/main" val="0"/>
+                <a14:useLocalDpi xmlns:a14="http://schemas.microsoft.com/office/drawing/2010/main"/>
               </a:ext>
             </a:extLst>
           </a:blip>
@@ -3665,10 +4135,10 @@
           <p:nvPr/>
         </p:nvPicPr>
         <p:blipFill>
-          <a:blip r:embed="rId3">
+          <a:blip r:embed="rId3" cstate="screen">
             <a:extLst>
               <a:ext uri="{28A0092B-C50C-407E-A947-70E740481C1C}">
-                <a14:useLocalDpi xmlns:a14="http://schemas.microsoft.com/office/drawing/2010/main" val="0"/>
+                <a14:useLocalDpi xmlns:a14="http://schemas.microsoft.com/office/drawing/2010/main"/>
               </a:ext>
             </a:extLst>
           </a:blip>
@@ -3701,10 +4171,10 @@
           <p:nvPr/>
         </p:nvPicPr>
         <p:blipFill>
-          <a:blip r:embed="rId4">
+          <a:blip r:embed="rId4" cstate="screen">
             <a:extLst>
               <a:ext uri="{28A0092B-C50C-407E-A947-70E740481C1C}">
-                <a14:useLocalDpi xmlns:a14="http://schemas.microsoft.com/office/drawing/2010/main" val="0"/>
+                <a14:useLocalDpi xmlns:a14="http://schemas.microsoft.com/office/drawing/2010/main"/>
               </a:ext>
             </a:extLst>
           </a:blip>
@@ -3737,10 +4207,10 @@
           <p:nvPr/>
         </p:nvPicPr>
         <p:blipFill>
-          <a:blip r:embed="rId5">
+          <a:blip r:embed="rId5" cstate="screen">
             <a:extLst>
               <a:ext uri="{28A0092B-C50C-407E-A947-70E740481C1C}">
-                <a14:useLocalDpi xmlns:a14="http://schemas.microsoft.com/office/drawing/2010/main" val="0"/>
+                <a14:useLocalDpi xmlns:a14="http://schemas.microsoft.com/office/drawing/2010/main"/>
               </a:ext>
             </a:extLst>
           </a:blip>
@@ -3919,7 +4389,7 @@
           <a:blip r:embed="rId6">
             <a:extLst>
               <a:ext uri="{28A0092B-C50C-407E-A947-70E740481C1C}">
-                <a14:useLocalDpi xmlns:a14="http://schemas.microsoft.com/office/drawing/2010/main" val="0"/>
+                <a14:useLocalDpi xmlns:a14="http://schemas.microsoft.com/office/drawing/2010/main"/>
               </a:ext>
             </a:extLst>
           </a:blip>
@@ -3991,7 +4461,7 @@
           <p:nvPr/>
         </p:nvPicPr>
         <p:blipFill rotWithShape="1">
-          <a:blip r:embed="rId7">
+          <a:blip r:embed="rId7" cstate="screen">
             <a:clrChange>
               <a:clrFrom>
                 <a:srgbClr val="FFFFFF"/>
@@ -4004,7 +4474,7 @@
             </a:clrChange>
             <a:extLst>
               <a:ext uri="{28A0092B-C50C-407E-A947-70E740481C1C}">
-                <a14:useLocalDpi xmlns:a14="http://schemas.microsoft.com/office/drawing/2010/main" val="0"/>
+                <a14:useLocalDpi xmlns:a14="http://schemas.microsoft.com/office/drawing/2010/main"/>
               </a:ext>
             </a:extLst>
           </a:blip>
@@ -4091,7 +4561,7 @@
           <p:nvPr/>
         </p:nvPicPr>
         <p:blipFill>
-          <a:blip r:embed="rId8">
+          <a:blip r:embed="rId8" cstate="screen">
             <a:clrChange>
               <a:clrFrom>
                 <a:srgbClr val="FFFFFF"/>
@@ -4104,7 +4574,7 @@
             </a:clrChange>
             <a:extLst>
               <a:ext uri="{28A0092B-C50C-407E-A947-70E740481C1C}">
-                <a14:useLocalDpi xmlns:a14="http://schemas.microsoft.com/office/drawing/2010/main" val="0"/>
+                <a14:useLocalDpi xmlns:a14="http://schemas.microsoft.com/office/drawing/2010/main"/>
               </a:ext>
             </a:extLst>
           </a:blip>
@@ -4891,10 +5361,10 @@
           <p:nvPr/>
         </p:nvPicPr>
         <p:blipFill>
-          <a:blip r:embed="rId9">
+          <a:blip r:embed="rId9" cstate="screen">
             <a:extLst>
               <a:ext uri="{28A0092B-C50C-407E-A947-70E740481C1C}">
-                <a14:useLocalDpi xmlns:a14="http://schemas.microsoft.com/office/drawing/2010/main" val="0"/>
+                <a14:useLocalDpi xmlns:a14="http://schemas.microsoft.com/office/drawing/2010/main"/>
               </a:ext>
             </a:extLst>
           </a:blip>
@@ -5059,7 +5529,7 @@
                 <a:latin typeface="UD Digi Kyokasho NK-R" panose="02020400000000000000" pitchFamily="18" charset="-128"/>
                 <a:ea typeface="UD Digi Kyokasho NK-R" panose="02020400000000000000" pitchFamily="18" charset="-128"/>
               </a:rPr>
-              <a:t> の</a:t>
+              <a:t> の公開</a:t>
             </a:r>
             <a:endParaRPr lang="en-US" altLang="ja-JP" sz="1400" dirty="0">
               <a:latin typeface="UD Digi Kyokasho NK-R" panose="02020400000000000000" pitchFamily="18" charset="-128"/>
@@ -5444,6 +5914,1114 @@
     <p:extLst>
       <p:ext uri="{BB962C8B-B14F-4D97-AF65-F5344CB8AC3E}">
         <p14:creationId xmlns:p14="http://schemas.microsoft.com/office/powerpoint/2010/main" val="1321299112"/>
+      </p:ext>
+    </p:extLst>
+  </p:cSld>
+  <p:clrMapOvr>
+    <a:masterClrMapping/>
+  </p:clrMapOvr>
+</p:sld>
+</file>
+
+<file path=ppt/slides/slide2.xml><?xml version="1.0" encoding="utf-8"?>
+<p:sld xmlns:a="http://schemas.openxmlformats.org/drawingml/2006/main" xmlns:r="http://schemas.openxmlformats.org/officeDocument/2006/relationships" xmlns:p="http://schemas.openxmlformats.org/presentationml/2006/main">
+  <p:cSld>
+    <p:spTree>
+      <p:nvGrpSpPr>
+        <p:cNvPr id="1" name=""/>
+        <p:cNvGrpSpPr/>
+        <p:nvPr/>
+      </p:nvGrpSpPr>
+      <p:grpSpPr>
+        <a:xfrm>
+          <a:off x="0" y="0"/>
+          <a:ext cx="0" cy="0"/>
+          <a:chOff x="0" y="0"/>
+          <a:chExt cx="0" cy="0"/>
+        </a:xfrm>
+      </p:grpSpPr>
+      <p:pic>
+        <p:nvPicPr>
+          <p:cNvPr id="13" name="図 12">
+            <a:extLst>
+              <a:ext uri="{FF2B5EF4-FFF2-40B4-BE49-F238E27FC236}">
+                <a16:creationId xmlns:a16="http://schemas.microsoft.com/office/drawing/2014/main" id="{1B8E37F9-D289-453F-8885-F32429F15E17}"/>
+              </a:ext>
+            </a:extLst>
+          </p:cNvPr>
+          <p:cNvPicPr>
+            <a:picLocks noChangeAspect="1"/>
+          </p:cNvPicPr>
+          <p:nvPr/>
+        </p:nvPicPr>
+        <p:blipFill>
+          <a:blip r:embed="rId2"/>
+          <a:stretch>
+            <a:fillRect/>
+          </a:stretch>
+        </p:blipFill>
+        <p:spPr>
+          <a:xfrm>
+            <a:off x="166108" y="2734500"/>
+            <a:ext cx="4099165" cy="3832394"/>
+          </a:xfrm>
+          <a:prstGeom prst="rect">
+            <a:avLst/>
+          </a:prstGeom>
+          <a:ln>
+            <a:noFill/>
+          </a:ln>
+          <a:effectLst>
+            <a:outerShdw blurRad="292100" dist="139700" dir="2700000" algn="tl" rotWithShape="0">
+              <a:srgbClr val="333333">
+                <a:alpha val="65000"/>
+              </a:srgbClr>
+            </a:outerShdw>
+          </a:effectLst>
+        </p:spPr>
+      </p:pic>
+      <p:pic>
+        <p:nvPicPr>
+          <p:cNvPr id="15" name="図 14">
+            <a:extLst>
+              <a:ext uri="{FF2B5EF4-FFF2-40B4-BE49-F238E27FC236}">
+                <a16:creationId xmlns:a16="http://schemas.microsoft.com/office/drawing/2014/main" id="{FDF6B041-6552-4B58-A5BE-33AE11A015C1}"/>
+              </a:ext>
+            </a:extLst>
+          </p:cNvPr>
+          <p:cNvPicPr>
+            <a:picLocks noChangeAspect="1"/>
+          </p:cNvPicPr>
+          <p:nvPr/>
+        </p:nvPicPr>
+        <p:blipFill rotWithShape="1">
+          <a:blip r:embed="rId3" cstate="screen">
+            <a:extLst>
+              <a:ext uri="{28A0092B-C50C-407E-A947-70E740481C1C}">
+                <a14:useLocalDpi xmlns:a14="http://schemas.microsoft.com/office/drawing/2010/main"/>
+              </a:ext>
+            </a:extLst>
+          </a:blip>
+          <a:srcRect/>
+          <a:stretch/>
+        </p:blipFill>
+        <p:spPr>
+          <a:xfrm>
+            <a:off x="4445155" y="2751559"/>
+            <a:ext cx="3739475" cy="3815335"/>
+          </a:xfrm>
+          <a:prstGeom prst="rect">
+            <a:avLst/>
+          </a:prstGeom>
+          <a:ln>
+            <a:noFill/>
+          </a:ln>
+          <a:effectLst>
+            <a:outerShdw blurRad="292100" dist="139700" dir="2700000" algn="tl" rotWithShape="0">
+              <a:srgbClr val="333333">
+                <a:alpha val="65000"/>
+              </a:srgbClr>
+            </a:outerShdw>
+          </a:effectLst>
+        </p:spPr>
+      </p:pic>
+      <p:pic>
+        <p:nvPicPr>
+          <p:cNvPr id="17" name="図 16">
+            <a:extLst>
+              <a:ext uri="{FF2B5EF4-FFF2-40B4-BE49-F238E27FC236}">
+                <a16:creationId xmlns:a16="http://schemas.microsoft.com/office/drawing/2014/main" id="{897519CF-540C-46DD-850E-5B5A13FDA7DF}"/>
+              </a:ext>
+            </a:extLst>
+          </p:cNvPr>
+          <p:cNvPicPr>
+            <a:picLocks noChangeAspect="1"/>
+          </p:cNvPicPr>
+          <p:nvPr/>
+        </p:nvPicPr>
+        <p:blipFill rotWithShape="1">
+          <a:blip r:embed="rId4" cstate="screen">
+            <a:extLst>
+              <a:ext uri="{28A0092B-C50C-407E-A947-70E740481C1C}">
+                <a14:useLocalDpi xmlns:a14="http://schemas.microsoft.com/office/drawing/2010/main"/>
+              </a:ext>
+            </a:extLst>
+          </a:blip>
+          <a:srcRect/>
+          <a:stretch/>
+        </p:blipFill>
+        <p:spPr>
+          <a:xfrm>
+            <a:off x="8323334" y="2734500"/>
+            <a:ext cx="4305880" cy="3815335"/>
+          </a:xfrm>
+          <a:prstGeom prst="rect">
+            <a:avLst/>
+          </a:prstGeom>
+          <a:ln>
+            <a:noFill/>
+          </a:ln>
+          <a:effectLst>
+            <a:outerShdw blurRad="292100" dist="139700" dir="2700000" algn="tl" rotWithShape="0">
+              <a:srgbClr val="333333">
+                <a:alpha val="65000"/>
+              </a:srgbClr>
+            </a:outerShdw>
+          </a:effectLst>
+        </p:spPr>
+      </p:pic>
+      <p:sp>
+        <p:nvSpPr>
+          <p:cNvPr id="19" name="テキスト ボックス 18">
+            <a:extLst>
+              <a:ext uri="{FF2B5EF4-FFF2-40B4-BE49-F238E27FC236}">
+                <a16:creationId xmlns:a16="http://schemas.microsoft.com/office/drawing/2014/main" id="{74A98027-3A39-4C96-9492-157B8A7F1CD2}"/>
+              </a:ext>
+            </a:extLst>
+          </p:cNvPr>
+          <p:cNvSpPr txBox="1"/>
+          <p:nvPr/>
+        </p:nvSpPr>
+        <p:spPr>
+          <a:xfrm>
+            <a:off x="166108" y="2389653"/>
+            <a:ext cx="2170787" cy="307777"/>
+          </a:xfrm>
+          <a:prstGeom prst="rect">
+            <a:avLst/>
+          </a:prstGeom>
+          <a:noFill/>
+        </p:spPr>
+        <p:txBody>
+          <a:bodyPr wrap="none" rtlCol="0">
+            <a:spAutoFit/>
+          </a:bodyPr>
+          <a:lstStyle/>
+          <a:p>
+            <a:r>
+              <a:rPr kumimoji="1" lang="en-US" altLang="ja-JP" sz="1400" dirty="0">
+                <a:latin typeface="UD Digi Kyokasho NK-R" panose="02020400000000000000" pitchFamily="18" charset="-128"/>
+                <a:ea typeface="UD Digi Kyokasho NK-R" panose="02020400000000000000" pitchFamily="18" charset="-128"/>
+              </a:rPr>
+              <a:t>App</a:t>
+            </a:r>
+            <a:r>
+              <a:rPr kumimoji="1" lang="ja-JP" altLang="en-US" sz="1400" dirty="0">
+                <a:latin typeface="UD Digi Kyokasho NK-R" panose="02020400000000000000" pitchFamily="18" charset="-128"/>
+                <a:ea typeface="UD Digi Kyokasho NK-R" panose="02020400000000000000" pitchFamily="18" charset="-128"/>
+              </a:rPr>
+              <a:t> </a:t>
+            </a:r>
+            <a:r>
+              <a:rPr kumimoji="1" lang="en-US" altLang="ja-JP" sz="1400" dirty="0">
+                <a:latin typeface="UD Digi Kyokasho NK-R" panose="02020400000000000000" pitchFamily="18" charset="-128"/>
+                <a:ea typeface="UD Digi Kyokasho NK-R" panose="02020400000000000000" pitchFamily="18" charset="-128"/>
+              </a:rPr>
+              <a:t>Service</a:t>
+            </a:r>
+            <a:r>
+              <a:rPr kumimoji="1" lang="ja-JP" altLang="en-US" sz="1400" dirty="0">
+                <a:latin typeface="UD Digi Kyokasho NK-R" panose="02020400000000000000" pitchFamily="18" charset="-128"/>
+                <a:ea typeface="UD Digi Kyokasho NK-R" panose="02020400000000000000" pitchFamily="18" charset="-128"/>
+              </a:rPr>
+              <a:t> の認証設定</a:t>
+            </a:r>
+          </a:p>
+        </p:txBody>
+      </p:sp>
+      <p:sp>
+        <p:nvSpPr>
+          <p:cNvPr id="21" name="テキスト ボックス 20">
+            <a:extLst>
+              <a:ext uri="{FF2B5EF4-FFF2-40B4-BE49-F238E27FC236}">
+                <a16:creationId xmlns:a16="http://schemas.microsoft.com/office/drawing/2014/main" id="{8C85C353-143E-4AF5-A049-E8B24470C2CD}"/>
+              </a:ext>
+            </a:extLst>
+          </p:cNvPr>
+          <p:cNvSpPr txBox="1"/>
+          <p:nvPr/>
+        </p:nvSpPr>
+        <p:spPr>
+          <a:xfrm>
+            <a:off x="4390059" y="2389652"/>
+            <a:ext cx="2345514" cy="307777"/>
+          </a:xfrm>
+          <a:prstGeom prst="rect">
+            <a:avLst/>
+          </a:prstGeom>
+          <a:noFill/>
+        </p:spPr>
+        <p:txBody>
+          <a:bodyPr wrap="none" rtlCol="0">
+            <a:spAutoFit/>
+          </a:bodyPr>
+          <a:lstStyle/>
+          <a:p>
+            <a:r>
+              <a:rPr kumimoji="1" lang="en-US" altLang="ja-JP" sz="1400" dirty="0">
+                <a:latin typeface="UD Digi Kyokasho NK-R" panose="02020400000000000000" pitchFamily="18" charset="-128"/>
+                <a:ea typeface="UD Digi Kyokasho NK-R" panose="02020400000000000000" pitchFamily="18" charset="-128"/>
+              </a:rPr>
+              <a:t>Azure</a:t>
+            </a:r>
+            <a:r>
+              <a:rPr kumimoji="1" lang="ja-JP" altLang="en-US" sz="1400" dirty="0">
+                <a:latin typeface="UD Digi Kyokasho NK-R" panose="02020400000000000000" pitchFamily="18" charset="-128"/>
+                <a:ea typeface="UD Digi Kyokasho NK-R" panose="02020400000000000000" pitchFamily="18" charset="-128"/>
+              </a:rPr>
+              <a:t> </a:t>
+            </a:r>
+            <a:r>
+              <a:rPr kumimoji="1" lang="en-US" altLang="ja-JP" sz="1400" dirty="0">
+                <a:latin typeface="UD Digi Kyokasho NK-R" panose="02020400000000000000" pitchFamily="18" charset="-128"/>
+                <a:ea typeface="UD Digi Kyokasho NK-R" panose="02020400000000000000" pitchFamily="18" charset="-128"/>
+              </a:rPr>
+              <a:t>AD</a:t>
+            </a:r>
+            <a:r>
+              <a:rPr kumimoji="1" lang="ja-JP" altLang="en-US" sz="1400" dirty="0">
+                <a:latin typeface="UD Digi Kyokasho NK-R" panose="02020400000000000000" pitchFamily="18" charset="-128"/>
+                <a:ea typeface="UD Digi Kyokasho NK-R" panose="02020400000000000000" pitchFamily="18" charset="-128"/>
+              </a:rPr>
+              <a:t> へ登録したアプリ</a:t>
+            </a:r>
+          </a:p>
+        </p:txBody>
+      </p:sp>
+      <p:sp>
+        <p:nvSpPr>
+          <p:cNvPr id="23" name="テキスト ボックス 22">
+            <a:extLst>
+              <a:ext uri="{FF2B5EF4-FFF2-40B4-BE49-F238E27FC236}">
+                <a16:creationId xmlns:a16="http://schemas.microsoft.com/office/drawing/2014/main" id="{952D9F07-8A3E-4940-AA7B-0DC74B59AA78}"/>
+              </a:ext>
+            </a:extLst>
+          </p:cNvPr>
+          <p:cNvSpPr txBox="1"/>
+          <p:nvPr/>
+        </p:nvSpPr>
+        <p:spPr>
+          <a:xfrm>
+            <a:off x="8237129" y="2389651"/>
+            <a:ext cx="1856598" cy="307777"/>
+          </a:xfrm>
+          <a:prstGeom prst="rect">
+            <a:avLst/>
+          </a:prstGeom>
+          <a:noFill/>
+        </p:spPr>
+        <p:txBody>
+          <a:bodyPr wrap="none" rtlCol="0">
+            <a:spAutoFit/>
+          </a:bodyPr>
+          <a:lstStyle/>
+          <a:p>
+            <a:r>
+              <a:rPr kumimoji="1" lang="ja-JP" altLang="en-US" sz="1400" dirty="0">
+                <a:latin typeface="UD Digi Kyokasho NK-R" panose="02020400000000000000" pitchFamily="18" charset="-128"/>
+                <a:ea typeface="UD Digi Kyokasho NK-R" panose="02020400000000000000" pitchFamily="18" charset="-128"/>
+              </a:rPr>
+              <a:t>アプリが公開する </a:t>
+            </a:r>
+            <a:r>
+              <a:rPr kumimoji="1" lang="en-US" altLang="ja-JP" sz="1400" dirty="0">
+                <a:latin typeface="UD Digi Kyokasho NK-R" panose="02020400000000000000" pitchFamily="18" charset="-128"/>
+                <a:ea typeface="UD Digi Kyokasho NK-R" panose="02020400000000000000" pitchFamily="18" charset="-128"/>
+              </a:rPr>
+              <a:t>API</a:t>
+            </a:r>
+            <a:endParaRPr kumimoji="1" lang="ja-JP" altLang="en-US" sz="1400" dirty="0">
+              <a:latin typeface="UD Digi Kyokasho NK-R" panose="02020400000000000000" pitchFamily="18" charset="-128"/>
+              <a:ea typeface="UD Digi Kyokasho NK-R" panose="02020400000000000000" pitchFamily="18" charset="-128"/>
+            </a:endParaRPr>
+          </a:p>
+        </p:txBody>
+      </p:sp>
+      <p:pic>
+        <p:nvPicPr>
+          <p:cNvPr id="25" name="図 24">
+            <a:extLst>
+              <a:ext uri="{FF2B5EF4-FFF2-40B4-BE49-F238E27FC236}">
+                <a16:creationId xmlns:a16="http://schemas.microsoft.com/office/drawing/2014/main" id="{73C961D4-5776-4817-89F1-339942E444A5}"/>
+              </a:ext>
+            </a:extLst>
+          </p:cNvPr>
+          <p:cNvPicPr>
+            <a:picLocks noChangeAspect="1"/>
+          </p:cNvPicPr>
+          <p:nvPr/>
+        </p:nvPicPr>
+        <p:blipFill>
+          <a:blip r:embed="rId5" cstate="screen">
+            <a:extLst>
+              <a:ext uri="{28A0092B-C50C-407E-A947-70E740481C1C}">
+                <a14:useLocalDpi xmlns:a14="http://schemas.microsoft.com/office/drawing/2010/main"/>
+              </a:ext>
+            </a:extLst>
+          </a:blip>
+          <a:stretch>
+            <a:fillRect/>
+          </a:stretch>
+        </p:blipFill>
+        <p:spPr>
+          <a:xfrm>
+            <a:off x="3701548" y="1620127"/>
+            <a:ext cx="400413" cy="400413"/>
+          </a:xfrm>
+          <a:prstGeom prst="rect">
+            <a:avLst/>
+          </a:prstGeom>
+        </p:spPr>
+      </p:pic>
+      <p:cxnSp>
+        <p:nvCxnSpPr>
+          <p:cNvPr id="27" name="直線コネクタ 26">
+            <a:extLst>
+              <a:ext uri="{FF2B5EF4-FFF2-40B4-BE49-F238E27FC236}">
+                <a16:creationId xmlns:a16="http://schemas.microsoft.com/office/drawing/2014/main" id="{1A4DCC5D-2A16-44E8-8735-F4470E4E8165}"/>
+              </a:ext>
+            </a:extLst>
+          </p:cNvPr>
+          <p:cNvCxnSpPr>
+            <a:cxnSpLocks/>
+          </p:cNvCxnSpPr>
+          <p:nvPr/>
+        </p:nvCxnSpPr>
+        <p:spPr>
+          <a:xfrm flipH="1" flipV="1">
+            <a:off x="4339062" y="1476632"/>
+            <a:ext cx="36800" cy="5208374"/>
+          </a:xfrm>
+          <a:prstGeom prst="line">
+            <a:avLst/>
+          </a:prstGeom>
+          <a:ln w="19050">
+            <a:prstDash val="dash"/>
+          </a:ln>
+        </p:spPr>
+        <p:style>
+          <a:lnRef idx="1">
+            <a:schemeClr val="dk1"/>
+          </a:lnRef>
+          <a:fillRef idx="0">
+            <a:schemeClr val="dk1"/>
+          </a:fillRef>
+          <a:effectRef idx="0">
+            <a:schemeClr val="dk1"/>
+          </a:effectRef>
+          <a:fontRef idx="minor">
+            <a:schemeClr val="tx1"/>
+          </a:fontRef>
+        </p:style>
+      </p:cxnSp>
+      <p:pic>
+        <p:nvPicPr>
+          <p:cNvPr id="31" name="図 30" descr="アイコン&#10;&#10;自動的に生成された説明">
+            <a:extLst>
+              <a:ext uri="{FF2B5EF4-FFF2-40B4-BE49-F238E27FC236}">
+                <a16:creationId xmlns:a16="http://schemas.microsoft.com/office/drawing/2014/main" id="{D1287EE5-2E36-46DA-BEA8-645F8BF46459}"/>
+              </a:ext>
+            </a:extLst>
+          </p:cNvPr>
+          <p:cNvPicPr>
+            <a:picLocks noChangeAspect="1"/>
+          </p:cNvPicPr>
+          <p:nvPr/>
+        </p:nvPicPr>
+        <p:blipFill>
+          <a:blip r:embed="rId6" cstate="screen">
+            <a:extLst>
+              <a:ext uri="{28A0092B-C50C-407E-A947-70E740481C1C}">
+                <a14:useLocalDpi xmlns:a14="http://schemas.microsoft.com/office/drawing/2010/main"/>
+              </a:ext>
+            </a:extLst>
+          </a:blip>
+          <a:stretch>
+            <a:fillRect/>
+          </a:stretch>
+        </p:blipFill>
+        <p:spPr>
+          <a:xfrm>
+            <a:off x="4612963" y="1578083"/>
+            <a:ext cx="484499" cy="484499"/>
+          </a:xfrm>
+          <a:prstGeom prst="rect">
+            <a:avLst/>
+          </a:prstGeom>
+        </p:spPr>
+      </p:pic>
+    </p:spTree>
+    <p:extLst>
+      <p:ext uri="{BB962C8B-B14F-4D97-AF65-F5344CB8AC3E}">
+        <p14:creationId xmlns:p14="http://schemas.microsoft.com/office/powerpoint/2010/main" val="3385276212"/>
+      </p:ext>
+    </p:extLst>
+  </p:cSld>
+  <p:clrMapOvr>
+    <a:masterClrMapping/>
+  </p:clrMapOvr>
+</p:sld>
+</file>
+
+<file path=ppt/slides/slide3.xml><?xml version="1.0" encoding="utf-8"?>
+<p:sld xmlns:a="http://schemas.openxmlformats.org/drawingml/2006/main" xmlns:r="http://schemas.openxmlformats.org/officeDocument/2006/relationships" xmlns:p="http://schemas.openxmlformats.org/presentationml/2006/main">
+  <p:cSld>
+    <p:spTree>
+      <p:nvGrpSpPr>
+        <p:cNvPr id="1" name=""/>
+        <p:cNvGrpSpPr/>
+        <p:nvPr/>
+      </p:nvGrpSpPr>
+      <p:grpSpPr>
+        <a:xfrm>
+          <a:off x="0" y="0"/>
+          <a:ext cx="0" cy="0"/>
+          <a:chOff x="0" y="0"/>
+          <a:chExt cx="0" cy="0"/>
+        </a:xfrm>
+      </p:grpSpPr>
+      <p:cxnSp>
+        <p:nvCxnSpPr>
+          <p:cNvPr id="7" name="直線コネクタ 6">
+            <a:extLst>
+              <a:ext uri="{FF2B5EF4-FFF2-40B4-BE49-F238E27FC236}">
+                <a16:creationId xmlns:a16="http://schemas.microsoft.com/office/drawing/2014/main" id="{FED01034-9697-485F-A8BD-DFF87BC4F5A2}"/>
+              </a:ext>
+            </a:extLst>
+          </p:cNvPr>
+          <p:cNvCxnSpPr>
+            <a:cxnSpLocks/>
+          </p:cNvCxnSpPr>
+          <p:nvPr/>
+        </p:nvCxnSpPr>
+        <p:spPr>
+          <a:xfrm flipH="1" flipV="1">
+            <a:off x="4339062" y="1476632"/>
+            <a:ext cx="36800" cy="5208374"/>
+          </a:xfrm>
+          <a:prstGeom prst="line">
+            <a:avLst/>
+          </a:prstGeom>
+          <a:ln w="19050">
+            <a:prstDash val="dash"/>
+          </a:ln>
+        </p:spPr>
+        <p:style>
+          <a:lnRef idx="1">
+            <a:schemeClr val="dk1"/>
+          </a:lnRef>
+          <a:fillRef idx="0">
+            <a:schemeClr val="dk1"/>
+          </a:fillRef>
+          <a:effectRef idx="0">
+            <a:schemeClr val="dk1"/>
+          </a:effectRef>
+          <a:fontRef idx="minor">
+            <a:schemeClr val="tx1"/>
+          </a:fontRef>
+        </p:style>
+      </p:cxnSp>
+      <p:pic>
+        <p:nvPicPr>
+          <p:cNvPr id="9" name="図 8" descr="アイコン&#10;&#10;自動的に生成された説明">
+            <a:extLst>
+              <a:ext uri="{FF2B5EF4-FFF2-40B4-BE49-F238E27FC236}">
+                <a16:creationId xmlns:a16="http://schemas.microsoft.com/office/drawing/2014/main" id="{085D0355-7A7B-41C9-A3E0-0513F0D1C997}"/>
+              </a:ext>
+            </a:extLst>
+          </p:cNvPr>
+          <p:cNvPicPr>
+            <a:picLocks noChangeAspect="1"/>
+          </p:cNvPicPr>
+          <p:nvPr/>
+        </p:nvPicPr>
+        <p:blipFill>
+          <a:blip r:embed="rId3" cstate="screen">
+            <a:extLst>
+              <a:ext uri="{28A0092B-C50C-407E-A947-70E740481C1C}">
+                <a14:useLocalDpi xmlns:a14="http://schemas.microsoft.com/office/drawing/2010/main"/>
+              </a:ext>
+            </a:extLst>
+          </a:blip>
+          <a:stretch>
+            <a:fillRect/>
+          </a:stretch>
+        </p:blipFill>
+        <p:spPr>
+          <a:xfrm>
+            <a:off x="4612963" y="1578083"/>
+            <a:ext cx="484499" cy="484499"/>
+          </a:xfrm>
+          <a:prstGeom prst="rect">
+            <a:avLst/>
+          </a:prstGeom>
+        </p:spPr>
+      </p:pic>
+      <p:pic>
+        <p:nvPicPr>
+          <p:cNvPr id="11" name="図 10" descr="座る, テーブル, ケーキ, 光 が含まれている画像&#10;&#10;自動的に生成された説明">
+            <a:extLst>
+              <a:ext uri="{FF2B5EF4-FFF2-40B4-BE49-F238E27FC236}">
+                <a16:creationId xmlns:a16="http://schemas.microsoft.com/office/drawing/2014/main" id="{2CC814F7-C0E9-4D41-8CBE-A641456CF815}"/>
+              </a:ext>
+            </a:extLst>
+          </p:cNvPr>
+          <p:cNvPicPr>
+            <a:picLocks noChangeAspect="1"/>
+          </p:cNvPicPr>
+          <p:nvPr/>
+        </p:nvPicPr>
+        <p:blipFill>
+          <a:blip r:embed="rId4" cstate="screen">
+            <a:extLst>
+              <a:ext uri="{28A0092B-C50C-407E-A947-70E740481C1C}">
+                <a14:useLocalDpi xmlns:a14="http://schemas.microsoft.com/office/drawing/2010/main"/>
+              </a:ext>
+            </a:extLst>
+          </a:blip>
+          <a:stretch>
+            <a:fillRect/>
+          </a:stretch>
+        </p:blipFill>
+        <p:spPr>
+          <a:xfrm>
+            <a:off x="3438788" y="1511726"/>
+            <a:ext cx="521149" cy="400724"/>
+          </a:xfrm>
+          <a:prstGeom prst="rect">
+            <a:avLst/>
+          </a:prstGeom>
+        </p:spPr>
+      </p:pic>
+      <p:pic>
+        <p:nvPicPr>
+          <p:cNvPr id="13" name="図 12">
+            <a:extLst>
+              <a:ext uri="{FF2B5EF4-FFF2-40B4-BE49-F238E27FC236}">
+                <a16:creationId xmlns:a16="http://schemas.microsoft.com/office/drawing/2014/main" id="{AF571DF7-9BE8-45F8-897E-820426D54DB8}"/>
+              </a:ext>
+            </a:extLst>
+          </p:cNvPr>
+          <p:cNvPicPr>
+            <a:picLocks noChangeAspect="1"/>
+          </p:cNvPicPr>
+          <p:nvPr/>
+        </p:nvPicPr>
+        <p:blipFill>
+          <a:blip r:embed="rId5"/>
+          <a:stretch>
+            <a:fillRect/>
+          </a:stretch>
+        </p:blipFill>
+        <p:spPr>
+          <a:xfrm>
+            <a:off x="4754987" y="2690019"/>
+            <a:ext cx="4084674" cy="3816427"/>
+          </a:xfrm>
+          <a:prstGeom prst="rect">
+            <a:avLst/>
+          </a:prstGeom>
+          <a:ln>
+            <a:noFill/>
+          </a:ln>
+          <a:effectLst>
+            <a:outerShdw blurRad="292100" dist="139700" dir="2700000" algn="tl" rotWithShape="0">
+              <a:srgbClr val="333333">
+                <a:alpha val="65000"/>
+              </a:srgbClr>
+            </a:outerShdw>
+          </a:effectLst>
+        </p:spPr>
+      </p:pic>
+      <p:pic>
+        <p:nvPicPr>
+          <p:cNvPr id="15" name="図 14">
+            <a:extLst>
+              <a:ext uri="{FF2B5EF4-FFF2-40B4-BE49-F238E27FC236}">
+                <a16:creationId xmlns:a16="http://schemas.microsoft.com/office/drawing/2014/main" id="{57F158BF-3FE9-4081-A24B-BFDA4A9C7E35}"/>
+              </a:ext>
+            </a:extLst>
+          </p:cNvPr>
+          <p:cNvPicPr>
+            <a:picLocks noChangeAspect="1"/>
+          </p:cNvPicPr>
+          <p:nvPr/>
+        </p:nvPicPr>
+        <p:blipFill>
+          <a:blip r:embed="rId6"/>
+          <a:stretch>
+            <a:fillRect/>
+          </a:stretch>
+        </p:blipFill>
+        <p:spPr>
+          <a:xfrm>
+            <a:off x="9016780" y="2692816"/>
+            <a:ext cx="7906854" cy="3949096"/>
+          </a:xfrm>
+          <a:prstGeom prst="rect">
+            <a:avLst/>
+          </a:prstGeom>
+          <a:ln>
+            <a:noFill/>
+          </a:ln>
+          <a:effectLst>
+            <a:outerShdw blurRad="292100" dist="139700" dir="2700000" algn="tl" rotWithShape="0">
+              <a:srgbClr val="333333">
+                <a:alpha val="65000"/>
+              </a:srgbClr>
+            </a:outerShdw>
+          </a:effectLst>
+        </p:spPr>
+      </p:pic>
+      <p:pic>
+        <p:nvPicPr>
+          <p:cNvPr id="17" name="図 16">
+            <a:extLst>
+              <a:ext uri="{FF2B5EF4-FFF2-40B4-BE49-F238E27FC236}">
+                <a16:creationId xmlns:a16="http://schemas.microsoft.com/office/drawing/2014/main" id="{ABAB1F74-659D-4B3B-849F-4675ECD19DFF}"/>
+              </a:ext>
+            </a:extLst>
+          </p:cNvPr>
+          <p:cNvPicPr>
+            <a:picLocks noChangeAspect="1"/>
+          </p:cNvPicPr>
+          <p:nvPr/>
+        </p:nvPicPr>
+        <p:blipFill>
+          <a:blip r:embed="rId7"/>
+          <a:stretch>
+            <a:fillRect/>
+          </a:stretch>
+        </p:blipFill>
+        <p:spPr>
+          <a:xfrm>
+            <a:off x="757975" y="2123577"/>
+            <a:ext cx="3327848" cy="5152516"/>
+          </a:xfrm>
+          <a:prstGeom prst="rect">
+            <a:avLst/>
+          </a:prstGeom>
+        </p:spPr>
+      </p:pic>
+      <p:sp>
+        <p:nvSpPr>
+          <p:cNvPr id="18" name="正方形/長方形 17">
+            <a:extLst>
+              <a:ext uri="{FF2B5EF4-FFF2-40B4-BE49-F238E27FC236}">
+                <a16:creationId xmlns:a16="http://schemas.microsoft.com/office/drawing/2014/main" id="{A8CD92D5-8AA0-4731-9E8B-473F777C9E62}"/>
+              </a:ext>
+            </a:extLst>
+          </p:cNvPr>
+          <p:cNvSpPr/>
+          <p:nvPr/>
+        </p:nvSpPr>
+        <p:spPr>
+          <a:xfrm>
+            <a:off x="869465" y="3848527"/>
+            <a:ext cx="3181694" cy="867407"/>
+          </a:xfrm>
+          <a:prstGeom prst="rect">
+            <a:avLst/>
+          </a:prstGeom>
+          <a:noFill/>
+          <a:ln w="28575">
+            <a:solidFill>
+              <a:schemeClr val="accent1"/>
+            </a:solidFill>
+          </a:ln>
+        </p:spPr>
+        <p:style>
+          <a:lnRef idx="2">
+            <a:schemeClr val="accent1">
+              <a:shade val="50000"/>
+            </a:schemeClr>
+          </a:lnRef>
+          <a:fillRef idx="1">
+            <a:schemeClr val="accent1"/>
+          </a:fillRef>
+          <a:effectRef idx="0">
+            <a:schemeClr val="accent1"/>
+          </a:effectRef>
+          <a:fontRef idx="minor">
+            <a:schemeClr val="lt1"/>
+          </a:fontRef>
+        </p:style>
+        <p:txBody>
+          <a:bodyPr rtlCol="0" anchor="ctr"/>
+          <a:lstStyle/>
+          <a:p>
+            <a:pPr algn="ctr"/>
+            <a:endParaRPr kumimoji="1" lang="ja-JP" altLang="en-US">
+              <a:noFill/>
+            </a:endParaRPr>
+          </a:p>
+        </p:txBody>
+      </p:sp>
+      <p:sp>
+        <p:nvSpPr>
+          <p:cNvPr id="19" name="矢印: 右 18">
+            <a:extLst>
+              <a:ext uri="{FF2B5EF4-FFF2-40B4-BE49-F238E27FC236}">
+                <a16:creationId xmlns:a16="http://schemas.microsoft.com/office/drawing/2014/main" id="{2670F190-08E5-4CD6-BB41-7C5DB74072B2}"/>
+              </a:ext>
+            </a:extLst>
+          </p:cNvPr>
+          <p:cNvSpPr/>
+          <p:nvPr/>
+        </p:nvSpPr>
+        <p:spPr>
+          <a:xfrm rot="10800000">
+            <a:off x="3291018" y="3944705"/>
+            <a:ext cx="2324879" cy="629739"/>
+          </a:xfrm>
+          <a:prstGeom prst="rightArrow">
+            <a:avLst/>
+          </a:prstGeom>
+        </p:spPr>
+        <p:style>
+          <a:lnRef idx="2">
+            <a:schemeClr val="accent1">
+              <a:shade val="50000"/>
+            </a:schemeClr>
+          </a:lnRef>
+          <a:fillRef idx="1">
+            <a:schemeClr val="accent1"/>
+          </a:fillRef>
+          <a:effectRef idx="0">
+            <a:schemeClr val="accent1"/>
+          </a:effectRef>
+          <a:fontRef idx="minor">
+            <a:schemeClr val="lt1"/>
+          </a:fontRef>
+        </p:style>
+        <p:txBody>
+          <a:bodyPr rtlCol="0" anchor="ctr"/>
+          <a:lstStyle/>
+          <a:p>
+            <a:pPr algn="ctr"/>
+            <a:endParaRPr kumimoji="1" lang="ja-JP" altLang="en-US"/>
+          </a:p>
+        </p:txBody>
+      </p:sp>
+      <p:sp>
+        <p:nvSpPr>
+          <p:cNvPr id="20" name="矢印: 上カーブ 19">
+            <a:extLst>
+              <a:ext uri="{FF2B5EF4-FFF2-40B4-BE49-F238E27FC236}">
+                <a16:creationId xmlns:a16="http://schemas.microsoft.com/office/drawing/2014/main" id="{A2CBADFF-26B0-4110-85EC-1E729FEED5F0}"/>
+              </a:ext>
+            </a:extLst>
+          </p:cNvPr>
+          <p:cNvSpPr/>
+          <p:nvPr/>
+        </p:nvSpPr>
+        <p:spPr>
+          <a:xfrm>
+            <a:off x="2873027" y="6747929"/>
+            <a:ext cx="4244609" cy="867407"/>
+          </a:xfrm>
+          <a:prstGeom prst="curvedUpArrow">
+            <a:avLst/>
+          </a:prstGeom>
+        </p:spPr>
+        <p:style>
+          <a:lnRef idx="2">
+            <a:schemeClr val="accent1">
+              <a:shade val="50000"/>
+            </a:schemeClr>
+          </a:lnRef>
+          <a:fillRef idx="1">
+            <a:schemeClr val="accent1"/>
+          </a:fillRef>
+          <a:effectRef idx="0">
+            <a:schemeClr val="accent1"/>
+          </a:effectRef>
+          <a:fontRef idx="minor">
+            <a:schemeClr val="lt1"/>
+          </a:fontRef>
+        </p:style>
+        <p:txBody>
+          <a:bodyPr rtlCol="0" anchor="ctr"/>
+          <a:lstStyle/>
+          <a:p>
+            <a:pPr algn="ctr"/>
+            <a:endParaRPr kumimoji="1" lang="ja-JP" altLang="en-US">
+              <a:solidFill>
+                <a:schemeClr val="tx1"/>
+              </a:solidFill>
+            </a:endParaRPr>
+          </a:p>
+        </p:txBody>
+      </p:sp>
+      <p:sp>
+        <p:nvSpPr>
+          <p:cNvPr id="22" name="テキスト ボックス 21">
+            <a:extLst>
+              <a:ext uri="{FF2B5EF4-FFF2-40B4-BE49-F238E27FC236}">
+                <a16:creationId xmlns:a16="http://schemas.microsoft.com/office/drawing/2014/main" id="{1D44D37C-E4A3-4EDC-BEFF-E1B01738B07D}"/>
+              </a:ext>
+            </a:extLst>
+          </p:cNvPr>
+          <p:cNvSpPr txBox="1"/>
+          <p:nvPr/>
+        </p:nvSpPr>
+        <p:spPr>
+          <a:xfrm>
+            <a:off x="6417733" y="7232752"/>
+            <a:ext cx="1967205" cy="307777"/>
+          </a:xfrm>
+          <a:prstGeom prst="rect">
+            <a:avLst/>
+          </a:prstGeom>
+          <a:noFill/>
+        </p:spPr>
+        <p:txBody>
+          <a:bodyPr wrap="none" rtlCol="0">
+            <a:spAutoFit/>
+          </a:bodyPr>
+          <a:lstStyle/>
+          <a:p>
+            <a:r>
+              <a:rPr lang="ja-JP" altLang="en-US" sz="1400" dirty="0">
+                <a:latin typeface="UD Digi Kyokasho NK-R" panose="02020400000000000000" pitchFamily="18" charset="-128"/>
+                <a:ea typeface="UD Digi Kyokasho NK-R" panose="02020400000000000000" pitchFamily="18" charset="-128"/>
+              </a:rPr>
+              <a:t>リダイレクト </a:t>
+            </a:r>
+            <a:r>
+              <a:rPr lang="en-US" altLang="ja-JP" sz="1400" dirty="0">
+                <a:latin typeface="UD Digi Kyokasho NK-R" panose="02020400000000000000" pitchFamily="18" charset="-128"/>
+                <a:ea typeface="UD Digi Kyokasho NK-R" panose="02020400000000000000" pitchFamily="18" charset="-128"/>
+              </a:rPr>
+              <a:t>URI</a:t>
+            </a:r>
+            <a:r>
+              <a:rPr lang="ja-JP" altLang="en-US" sz="1400" dirty="0">
+                <a:latin typeface="UD Digi Kyokasho NK-R" panose="02020400000000000000" pitchFamily="18" charset="-128"/>
+                <a:ea typeface="UD Digi Kyokasho NK-R" panose="02020400000000000000" pitchFamily="18" charset="-128"/>
+              </a:rPr>
+              <a:t> を登録</a:t>
+            </a:r>
+            <a:endParaRPr kumimoji="1" lang="ja-JP" altLang="en-US" sz="1400" dirty="0">
+              <a:latin typeface="UD Digi Kyokasho NK-R" panose="02020400000000000000" pitchFamily="18" charset="-128"/>
+              <a:ea typeface="UD Digi Kyokasho NK-R" panose="02020400000000000000" pitchFamily="18" charset="-128"/>
+            </a:endParaRPr>
+          </a:p>
+        </p:txBody>
+      </p:sp>
+      <p:sp>
+        <p:nvSpPr>
+          <p:cNvPr id="24" name="テキスト ボックス 23">
+            <a:extLst>
+              <a:ext uri="{FF2B5EF4-FFF2-40B4-BE49-F238E27FC236}">
+                <a16:creationId xmlns:a16="http://schemas.microsoft.com/office/drawing/2014/main" id="{51E1847B-095C-4A9F-B682-FF7BEA65D6DA}"/>
+              </a:ext>
+            </a:extLst>
+          </p:cNvPr>
+          <p:cNvSpPr txBox="1"/>
+          <p:nvPr/>
+        </p:nvSpPr>
+        <p:spPr>
+          <a:xfrm>
+            <a:off x="3699362" y="4122353"/>
+            <a:ext cx="1871025" cy="307777"/>
+          </a:xfrm>
+          <a:prstGeom prst="rect">
+            <a:avLst/>
+          </a:prstGeom>
+          <a:noFill/>
+        </p:spPr>
+        <p:txBody>
+          <a:bodyPr wrap="none" rtlCol="0">
+            <a:spAutoFit/>
+          </a:bodyPr>
+          <a:lstStyle/>
+          <a:p>
+            <a:r>
+              <a:rPr lang="ja-JP" altLang="en-US" sz="1400" dirty="0">
+                <a:solidFill>
+                  <a:schemeClr val="bg1"/>
+                </a:solidFill>
+                <a:latin typeface="UD Digi Kyokasho NK-R" panose="02020400000000000000" pitchFamily="18" charset="-128"/>
+                <a:ea typeface="UD Digi Kyokasho NK-R" panose="02020400000000000000" pitchFamily="18" charset="-128"/>
+              </a:rPr>
+              <a:t>アプリ登録情報を設定</a:t>
+            </a:r>
+            <a:endParaRPr kumimoji="1" lang="ja-JP" altLang="en-US" sz="1400" dirty="0">
+              <a:solidFill>
+                <a:schemeClr val="bg1"/>
+              </a:solidFill>
+              <a:latin typeface="UD Digi Kyokasho NK-R" panose="02020400000000000000" pitchFamily="18" charset="-128"/>
+              <a:ea typeface="UD Digi Kyokasho NK-R" panose="02020400000000000000" pitchFamily="18" charset="-128"/>
+            </a:endParaRPr>
+          </a:p>
+        </p:txBody>
+      </p:sp>
+      <p:sp>
+        <p:nvSpPr>
+          <p:cNvPr id="26" name="正方形/長方形 25">
+            <a:extLst>
+              <a:ext uri="{FF2B5EF4-FFF2-40B4-BE49-F238E27FC236}">
+                <a16:creationId xmlns:a16="http://schemas.microsoft.com/office/drawing/2014/main" id="{538F39DB-5744-4102-ABEF-AF3083F95D9B}"/>
+              </a:ext>
+            </a:extLst>
+          </p:cNvPr>
+          <p:cNvSpPr/>
+          <p:nvPr/>
+        </p:nvSpPr>
+        <p:spPr>
+          <a:xfrm>
+            <a:off x="869082" y="5575147"/>
+            <a:ext cx="3181694" cy="867407"/>
+          </a:xfrm>
+          <a:prstGeom prst="rect">
+            <a:avLst/>
+          </a:prstGeom>
+          <a:noFill/>
+          <a:ln w="28575">
+            <a:solidFill>
+              <a:schemeClr val="accent2"/>
+            </a:solidFill>
+          </a:ln>
+        </p:spPr>
+        <p:style>
+          <a:lnRef idx="2">
+            <a:schemeClr val="accent1">
+              <a:shade val="50000"/>
+            </a:schemeClr>
+          </a:lnRef>
+          <a:fillRef idx="1">
+            <a:schemeClr val="accent1"/>
+          </a:fillRef>
+          <a:effectRef idx="0">
+            <a:schemeClr val="accent1"/>
+          </a:effectRef>
+          <a:fontRef idx="minor">
+            <a:schemeClr val="lt1"/>
+          </a:fontRef>
+        </p:style>
+        <p:txBody>
+          <a:bodyPr rtlCol="0" anchor="ctr"/>
+          <a:lstStyle/>
+          <a:p>
+            <a:pPr algn="ctr"/>
+            <a:endParaRPr kumimoji="1" lang="ja-JP" altLang="en-US">
+              <a:noFill/>
+            </a:endParaRPr>
+          </a:p>
+        </p:txBody>
+      </p:sp>
+      <p:sp>
+        <p:nvSpPr>
+          <p:cNvPr id="28" name="矢印: 右 27">
+            <a:extLst>
+              <a:ext uri="{FF2B5EF4-FFF2-40B4-BE49-F238E27FC236}">
+                <a16:creationId xmlns:a16="http://schemas.microsoft.com/office/drawing/2014/main" id="{1C3B985B-963B-4F81-9153-3E9A5B165DFD}"/>
+              </a:ext>
+            </a:extLst>
+          </p:cNvPr>
+          <p:cNvSpPr/>
+          <p:nvPr/>
+        </p:nvSpPr>
+        <p:spPr>
+          <a:xfrm rot="10800000">
+            <a:off x="3304400" y="5707467"/>
+            <a:ext cx="6633152" cy="629739"/>
+          </a:xfrm>
+          <a:prstGeom prst="rightArrow">
+            <a:avLst/>
+          </a:prstGeom>
+        </p:spPr>
+        <p:style>
+          <a:lnRef idx="2">
+            <a:schemeClr val="accent2">
+              <a:shade val="50000"/>
+            </a:schemeClr>
+          </a:lnRef>
+          <a:fillRef idx="1">
+            <a:schemeClr val="accent2"/>
+          </a:fillRef>
+          <a:effectRef idx="0">
+            <a:schemeClr val="accent2"/>
+          </a:effectRef>
+          <a:fontRef idx="minor">
+            <a:schemeClr val="lt1"/>
+          </a:fontRef>
+        </p:style>
+        <p:txBody>
+          <a:bodyPr rtlCol="0" anchor="ctr"/>
+          <a:lstStyle/>
+          <a:p>
+            <a:pPr algn="ctr"/>
+            <a:endParaRPr kumimoji="1" lang="ja-JP" altLang="en-US"/>
+          </a:p>
+        </p:txBody>
+      </p:sp>
+      <p:sp>
+        <p:nvSpPr>
+          <p:cNvPr id="30" name="テキスト ボックス 29">
+            <a:extLst>
+              <a:ext uri="{FF2B5EF4-FFF2-40B4-BE49-F238E27FC236}">
+                <a16:creationId xmlns:a16="http://schemas.microsoft.com/office/drawing/2014/main" id="{A5ED8972-EC94-4EA2-B106-CC5C955A4CE1}"/>
+              </a:ext>
+            </a:extLst>
+          </p:cNvPr>
+          <p:cNvSpPr txBox="1"/>
+          <p:nvPr/>
+        </p:nvSpPr>
+        <p:spPr>
+          <a:xfrm>
+            <a:off x="3741750" y="5885115"/>
+            <a:ext cx="2632452" cy="307777"/>
+          </a:xfrm>
+          <a:prstGeom prst="rect">
+            <a:avLst/>
+          </a:prstGeom>
+          <a:noFill/>
+        </p:spPr>
+        <p:txBody>
+          <a:bodyPr wrap="none" rtlCol="0">
+            <a:spAutoFit/>
+          </a:bodyPr>
+          <a:lstStyle/>
+          <a:p>
+            <a:r>
+              <a:rPr kumimoji="1" lang="ja-JP" altLang="en-US" sz="1400" dirty="0">
+                <a:solidFill>
+                  <a:schemeClr val="bg1"/>
+                </a:solidFill>
+                <a:latin typeface="UD Digi Kyokasho NK-R" panose="02020400000000000000" pitchFamily="18" charset="-128"/>
+                <a:ea typeface="UD Digi Kyokasho NK-R" panose="02020400000000000000" pitchFamily="18" charset="-128"/>
+              </a:rPr>
+              <a:t>アクセス対象 </a:t>
+            </a:r>
+            <a:r>
+              <a:rPr kumimoji="1" lang="en-US" altLang="ja-JP" sz="1400" dirty="0">
+                <a:solidFill>
+                  <a:schemeClr val="bg1"/>
+                </a:solidFill>
+                <a:latin typeface="UD Digi Kyokasho NK-R" panose="02020400000000000000" pitchFamily="18" charset="-128"/>
+                <a:ea typeface="UD Digi Kyokasho NK-R" panose="02020400000000000000" pitchFamily="18" charset="-128"/>
+              </a:rPr>
+              <a:t>API</a:t>
+            </a:r>
+            <a:r>
+              <a:rPr kumimoji="1" lang="ja-JP" altLang="en-US" sz="1400" dirty="0">
+                <a:solidFill>
+                  <a:schemeClr val="bg1"/>
+                </a:solidFill>
+                <a:latin typeface="UD Digi Kyokasho NK-R" panose="02020400000000000000" pitchFamily="18" charset="-128"/>
+                <a:ea typeface="UD Digi Kyokasho NK-R" panose="02020400000000000000" pitchFamily="18" charset="-128"/>
+              </a:rPr>
+              <a:t> の情報を登録</a:t>
+            </a:r>
+          </a:p>
+        </p:txBody>
+      </p:sp>
+    </p:spTree>
+    <p:extLst>
+      <p:ext uri="{BB962C8B-B14F-4D97-AF65-F5344CB8AC3E}">
+        <p14:creationId xmlns:p14="http://schemas.microsoft.com/office/powerpoint/2010/main" val="3239602042"/>
       </p:ext>
     </p:extLst>
   </p:cSld>
@@ -5763,4 +7341,299 @@
     </a:ext>
   </a:extLst>
 </a:theme>
+</file>
+
+<file path=ppt/theme/theme2.xml><?xml version="1.0" encoding="utf-8"?>
+<a:theme xmlns:a="http://schemas.openxmlformats.org/drawingml/2006/main" name="Office テーマ">
+  <a:themeElements>
+    <a:clrScheme name="Office">
+      <a:dk1>
+        <a:sysClr val="windowText" lastClr="000000"/>
+      </a:dk1>
+      <a:lt1>
+        <a:sysClr val="window" lastClr="FFFFFF"/>
+      </a:lt1>
+      <a:dk2>
+        <a:srgbClr val="44546A"/>
+      </a:dk2>
+      <a:lt2>
+        <a:srgbClr val="E7E6E6"/>
+      </a:lt2>
+      <a:accent1>
+        <a:srgbClr val="4472C4"/>
+      </a:accent1>
+      <a:accent2>
+        <a:srgbClr val="ED7D31"/>
+      </a:accent2>
+      <a:accent3>
+        <a:srgbClr val="A5A5A5"/>
+      </a:accent3>
+      <a:accent4>
+        <a:srgbClr val="FFC000"/>
+      </a:accent4>
+      <a:accent5>
+        <a:srgbClr val="5B9BD5"/>
+      </a:accent5>
+      <a:accent6>
+        <a:srgbClr val="70AD47"/>
+      </a:accent6>
+      <a:hlink>
+        <a:srgbClr val="0563C1"/>
+      </a:hlink>
+      <a:folHlink>
+        <a:srgbClr val="954F72"/>
+      </a:folHlink>
+    </a:clrScheme>
+    <a:fontScheme name="Office">
+      <a:majorFont>
+        <a:latin typeface="游ゴシック Light" panose="020F0302020204030204"/>
+        <a:ea typeface=""/>
+        <a:cs typeface=""/>
+        <a:font script="Jpan" typeface="游ゴシック Light"/>
+        <a:font script="Hang" typeface="맑은 고딕"/>
+        <a:font script="Hans" typeface="等线 Light"/>
+        <a:font script="Hant" typeface="新細明體"/>
+        <a:font script="Arab" typeface="Times New Roman"/>
+        <a:font script="Hebr" typeface="Times New Roman"/>
+        <a:font script="Thai" typeface="Angsana New"/>
+        <a:font script="Ethi" typeface="Nyala"/>
+        <a:font script="Beng" typeface="Vrinda"/>
+        <a:font script="Gujr" typeface="Shruti"/>
+        <a:font script="Khmr" typeface="MoolBoran"/>
+        <a:font script="Knda" typeface="Tunga"/>
+        <a:font script="Guru" typeface="Raavi"/>
+        <a:font script="Cans" typeface="Euphemia"/>
+        <a:font script="Cher" typeface="Plantagenet Cherokee"/>
+        <a:font script="Yiii" typeface="Microsoft Yi Baiti"/>
+        <a:font script="Tibt" typeface="Microsoft Himalaya"/>
+        <a:font script="Thaa" typeface="MV Boli"/>
+        <a:font script="Deva" typeface="Mangal"/>
+        <a:font script="Telu" typeface="Gautami"/>
+        <a:font script="Taml" typeface="Latha"/>
+        <a:font script="Syrc" typeface="Estrangelo Edessa"/>
+        <a:font script="Orya" typeface="Kalinga"/>
+        <a:font script="Mlym" typeface="Kartika"/>
+        <a:font script="Laoo" typeface="DokChampa"/>
+        <a:font script="Sinh" typeface="Iskoola Pota"/>
+        <a:font script="Mong" typeface="Mongolian Baiti"/>
+        <a:font script="Viet" typeface="Times New Roman"/>
+        <a:font script="Uigh" typeface="Microsoft Uighur"/>
+        <a:font script="Geor" typeface="Sylfaen"/>
+        <a:font script="Armn" typeface="Arial"/>
+        <a:font script="Bugi" typeface="Leelawadee UI"/>
+        <a:font script="Bopo" typeface="Microsoft JhengHei"/>
+        <a:font script="Java" typeface="Javanese Text"/>
+        <a:font script="Lisu" typeface="Segoe UI"/>
+        <a:font script="Mymr" typeface="Myanmar Text"/>
+        <a:font script="Nkoo" typeface="Ebrima"/>
+        <a:font script="Olck" typeface="Nirmala UI"/>
+        <a:font script="Osma" typeface="Ebrima"/>
+        <a:font script="Phag" typeface="Phagspa"/>
+        <a:font script="Syrn" typeface="Estrangelo Edessa"/>
+        <a:font script="Syrj" typeface="Estrangelo Edessa"/>
+        <a:font script="Syre" typeface="Estrangelo Edessa"/>
+        <a:font script="Sora" typeface="Nirmala UI"/>
+        <a:font script="Tale" typeface="Microsoft Tai Le"/>
+        <a:font script="Talu" typeface="Microsoft New Tai Lue"/>
+        <a:font script="Tfng" typeface="Ebrima"/>
+      </a:majorFont>
+      <a:minorFont>
+        <a:latin typeface="游ゴシック" panose="020F0502020204030204"/>
+        <a:ea typeface=""/>
+        <a:cs typeface=""/>
+        <a:font script="Jpan" typeface="游ゴシック"/>
+        <a:font script="Hang" typeface="맑은 고딕"/>
+        <a:font script="Hans" typeface="等线"/>
+        <a:font script="Hant" typeface="新細明體"/>
+        <a:font script="Arab" typeface="Arial"/>
+        <a:font script="Hebr" typeface="Arial"/>
+        <a:font script="Thai" typeface="Cordia New"/>
+        <a:font script="Ethi" typeface="Nyala"/>
+        <a:font script="Beng" typeface="Vrinda"/>
+        <a:font script="Gujr" typeface="Shruti"/>
+        <a:font script="Khmr" typeface="DaunPenh"/>
+        <a:font script="Knda" typeface="Tunga"/>
+        <a:font script="Guru" typeface="Raavi"/>
+        <a:font script="Cans" typeface="Euphemia"/>
+        <a:font script="Cher" typeface="Plantagenet Cherokee"/>
+        <a:font script="Yiii" typeface="Microsoft Yi Baiti"/>
+        <a:font script="Tibt" typeface="Microsoft Himalaya"/>
+        <a:font script="Thaa" typeface="MV Boli"/>
+        <a:font script="Deva" typeface="Mangal"/>
+        <a:font script="Telu" typeface="Gautami"/>
+        <a:font script="Taml" typeface="Latha"/>
+        <a:font script="Syrc" typeface="Estrangelo Edessa"/>
+        <a:font script="Orya" typeface="Kalinga"/>
+        <a:font script="Mlym" typeface="Kartika"/>
+        <a:font script="Laoo" typeface="DokChampa"/>
+        <a:font script="Sinh" typeface="Iskoola Pota"/>
+        <a:font script="Mong" typeface="Mongolian Baiti"/>
+        <a:font script="Viet" typeface="Arial"/>
+        <a:font script="Uigh" typeface="Microsoft Uighur"/>
+        <a:font script="Geor" typeface="Sylfaen"/>
+        <a:font script="Armn" typeface="Arial"/>
+        <a:font script="Bugi" typeface="Leelawadee UI"/>
+        <a:font script="Bopo" typeface="Microsoft JhengHei"/>
+        <a:font script="Java" typeface="Javanese Text"/>
+        <a:font script="Lisu" typeface="Segoe UI"/>
+        <a:font script="Mymr" typeface="Myanmar Text"/>
+        <a:font script="Nkoo" typeface="Ebrima"/>
+        <a:font script="Olck" typeface="Nirmala UI"/>
+        <a:font script="Osma" typeface="Ebrima"/>
+        <a:font script="Phag" typeface="Phagspa"/>
+        <a:font script="Syrn" typeface="Estrangelo Edessa"/>
+        <a:font script="Syrj" typeface="Estrangelo Edessa"/>
+        <a:font script="Syre" typeface="Estrangelo Edessa"/>
+        <a:font script="Sora" typeface="Nirmala UI"/>
+        <a:font script="Tale" typeface="Microsoft Tai Le"/>
+        <a:font script="Talu" typeface="Microsoft New Tai Lue"/>
+        <a:font script="Tfng" typeface="Ebrima"/>
+      </a:minorFont>
+    </a:fontScheme>
+    <a:fmtScheme name="Office">
+      <a:fillStyleLst>
+        <a:solidFill>
+          <a:schemeClr val="phClr"/>
+        </a:solidFill>
+        <a:gradFill rotWithShape="1">
+          <a:gsLst>
+            <a:gs pos="0">
+              <a:schemeClr val="phClr">
+                <a:lumMod val="110000"/>
+                <a:satMod val="105000"/>
+                <a:tint val="67000"/>
+              </a:schemeClr>
+            </a:gs>
+            <a:gs pos="50000">
+              <a:schemeClr val="phClr">
+                <a:lumMod val="105000"/>
+                <a:satMod val="103000"/>
+                <a:tint val="73000"/>
+              </a:schemeClr>
+            </a:gs>
+            <a:gs pos="100000">
+              <a:schemeClr val="phClr">
+                <a:lumMod val="105000"/>
+                <a:satMod val="109000"/>
+                <a:tint val="81000"/>
+              </a:schemeClr>
+            </a:gs>
+          </a:gsLst>
+          <a:lin ang="5400000" scaled="0"/>
+        </a:gradFill>
+        <a:gradFill rotWithShape="1">
+          <a:gsLst>
+            <a:gs pos="0">
+              <a:schemeClr val="phClr">
+                <a:satMod val="103000"/>
+                <a:lumMod val="102000"/>
+                <a:tint val="94000"/>
+              </a:schemeClr>
+            </a:gs>
+            <a:gs pos="50000">
+              <a:schemeClr val="phClr">
+                <a:satMod val="110000"/>
+                <a:lumMod val="100000"/>
+                <a:shade val="100000"/>
+              </a:schemeClr>
+            </a:gs>
+            <a:gs pos="100000">
+              <a:schemeClr val="phClr">
+                <a:lumMod val="99000"/>
+                <a:satMod val="120000"/>
+                <a:shade val="78000"/>
+              </a:schemeClr>
+            </a:gs>
+          </a:gsLst>
+          <a:lin ang="5400000" scaled="0"/>
+        </a:gradFill>
+      </a:fillStyleLst>
+      <a:lnStyleLst>
+        <a:ln w="6350" cap="flat" cmpd="sng" algn="ctr">
+          <a:solidFill>
+            <a:schemeClr val="phClr"/>
+          </a:solidFill>
+          <a:prstDash val="solid"/>
+          <a:miter lim="800000"/>
+        </a:ln>
+        <a:ln w="12700" cap="flat" cmpd="sng" algn="ctr">
+          <a:solidFill>
+            <a:schemeClr val="phClr"/>
+          </a:solidFill>
+          <a:prstDash val="solid"/>
+          <a:miter lim="800000"/>
+        </a:ln>
+        <a:ln w="19050" cap="flat" cmpd="sng" algn="ctr">
+          <a:solidFill>
+            <a:schemeClr val="phClr"/>
+          </a:solidFill>
+          <a:prstDash val="solid"/>
+          <a:miter lim="800000"/>
+        </a:ln>
+      </a:lnStyleLst>
+      <a:effectStyleLst>
+        <a:effectStyle>
+          <a:effectLst/>
+        </a:effectStyle>
+        <a:effectStyle>
+          <a:effectLst/>
+        </a:effectStyle>
+        <a:effectStyle>
+          <a:effectLst>
+            <a:outerShdw blurRad="57150" dist="19050" dir="5400000" algn="ctr" rotWithShape="0">
+              <a:srgbClr val="000000">
+                <a:alpha val="63000"/>
+              </a:srgbClr>
+            </a:outerShdw>
+          </a:effectLst>
+        </a:effectStyle>
+      </a:effectStyleLst>
+      <a:bgFillStyleLst>
+        <a:solidFill>
+          <a:schemeClr val="phClr"/>
+        </a:solidFill>
+        <a:solidFill>
+          <a:schemeClr val="phClr">
+            <a:tint val="95000"/>
+            <a:satMod val="170000"/>
+          </a:schemeClr>
+        </a:solidFill>
+        <a:gradFill rotWithShape="1">
+          <a:gsLst>
+            <a:gs pos="0">
+              <a:schemeClr val="phClr">
+                <a:tint val="93000"/>
+                <a:satMod val="150000"/>
+                <a:shade val="98000"/>
+                <a:lumMod val="102000"/>
+              </a:schemeClr>
+            </a:gs>
+            <a:gs pos="50000">
+              <a:schemeClr val="phClr">
+                <a:tint val="98000"/>
+                <a:satMod val="130000"/>
+                <a:shade val="90000"/>
+                <a:lumMod val="103000"/>
+              </a:schemeClr>
+            </a:gs>
+            <a:gs pos="100000">
+              <a:schemeClr val="phClr">
+                <a:shade val="63000"/>
+                <a:satMod val="120000"/>
+              </a:schemeClr>
+            </a:gs>
+          </a:gsLst>
+          <a:lin ang="5400000" scaled="0"/>
+        </a:gradFill>
+      </a:bgFillStyleLst>
+    </a:fmtScheme>
+  </a:themeElements>
+  <a:objectDefaults/>
+  <a:extraClrSchemeLst/>
+  <a:extLst>
+    <a:ext uri="{05A4C25C-085E-4340-85A3-A5531E510DB2}">
+      <thm15:themeFamily xmlns:thm15="http://schemas.microsoft.com/office/thememl/2012/main" name="Office Theme" id="{62F939B6-93AF-4DB8-9C6B-D6C7DFDC589F}" vid="{4A3C46E8-61CC-4603-A589-7422A47A8E4A}"/>
+    </a:ext>
+  </a:extLst>
+</a:theme>
 </file>